--- a/revised_presentation.pptx
+++ b/revised_presentation.pptx
@@ -6,6 +6,11 @@
   </p:sldMasterIdLst>
   <p:sldIdLst>
     <p:sldId id="256" r:id="rId2"/>
+    <p:sldId id="259" r:id="rId3"/>
+    <p:sldId id="260" r:id="rId4"/>
+    <p:sldId id="257" r:id="rId5"/>
+    <p:sldId id="258" r:id="rId6"/>
+    <p:sldId id="261" r:id="rId7"/>
   </p:sldIdLst>
   <p:sldSz cx="12192000" cy="6858000"/>
   <p:notesSz cx="6858000" cy="9144000"/>
@@ -104,6 +109,11 @@
       </a:defRPr>
     </a:lvl9pPr>
   </p:defaultTextStyle>
+  <p:extLst>
+    <p:ext uri="{EFAFB233-063F-42B5-8137-9DF3F51BA10A}">
+      <p15:sldGuideLst xmlns:p15="http://schemas.microsoft.com/office/powerpoint/2012/main"/>
+    </p:ext>
+  </p:extLst>
 </p:presentation>
 </file>
 
@@ -576,7 +586,7 @@
           <a:p>
             <a:fld id="{EA0C0817-A112-4847-8014-A94B7D2A4EA3}" type="datetime1">
               <a:rPr lang="en-US" smtClean="0"/>
-              <a:t>4/9/20</a:t>
+              <a:t>4/13/20</a:t>
             </a:fld>
             <a:endParaRPr lang="en-US" dirty="0"/>
           </a:p>
@@ -778,7 +788,7 @@
           <a:p>
             <a:fld id="{134F40B7-36AB-4376-BE14-EF7004D79BB9}" type="datetime1">
               <a:rPr lang="en-US" smtClean="0"/>
-              <a:t>4/9/20</a:t>
+              <a:t>4/13/20</a:t>
             </a:fld>
             <a:endParaRPr lang="en-US"/>
           </a:p>
@@ -958,7 +968,7 @@
           <a:p>
             <a:fld id="{FF87CAB8-DCAE-46A5-AADA-B3FAD11A54E0}" type="datetime1">
               <a:rPr lang="en-US" smtClean="0"/>
-              <a:t>4/9/20</a:t>
+              <a:t>4/13/20</a:t>
             </a:fld>
             <a:endParaRPr lang="en-US"/>
           </a:p>
@@ -1128,7 +1138,7 @@
           <a:p>
             <a:fld id="{7332B432-ACDA-4023-A761-2BAB76577B62}" type="datetime1">
               <a:rPr lang="en-US" smtClean="0"/>
-              <a:t>4/9/20</a:t>
+              <a:t>4/13/20</a:t>
             </a:fld>
             <a:endParaRPr lang="en-US"/>
           </a:p>
@@ -1727,7 +1737,7 @@
           <a:p>
             <a:fld id="{D9C646AA-F36E-4540-911D-FFFC0A0EF24A}" type="datetime1">
               <a:rPr lang="en-US" smtClean="0"/>
-              <a:t>4/9/20</a:t>
+              <a:t>4/13/20</a:t>
             </a:fld>
             <a:endParaRPr lang="en-US" dirty="0"/>
           </a:p>
@@ -2047,7 +2057,7 @@
           <a:p>
             <a:fld id="{69186D26-FA5F-4637-B602-B7C2DC34CFD4}" type="datetime1">
               <a:rPr lang="en-US" smtClean="0"/>
-              <a:t>4/9/20</a:t>
+              <a:t>4/13/20</a:t>
             </a:fld>
             <a:endParaRPr lang="en-US"/>
           </a:p>
@@ -2482,7 +2492,7 @@
           <a:p>
             <a:fld id="{8A7F15D8-96D1-4781-BC50-CA8A088B2FE4}" type="datetime1">
               <a:rPr lang="en-US" smtClean="0"/>
-              <a:t>4/9/20</a:t>
+              <a:t>4/13/20</a:t>
             </a:fld>
             <a:endParaRPr lang="en-US"/>
           </a:p>
@@ -2600,7 +2610,7 @@
           <a:p>
             <a:fld id="{F9A96C99-B8F8-4528-BD05-0E16E943DC09}" type="datetime1">
               <a:rPr lang="en-US" smtClean="0"/>
-              <a:t>4/9/20</a:t>
+              <a:t>4/13/20</a:t>
             </a:fld>
             <a:endParaRPr lang="en-US"/>
           </a:p>
@@ -2695,7 +2705,7 @@
           <a:p>
             <a:fld id="{03636942-C211-4B28-8DBD-C953E00AF71B}" type="datetime1">
               <a:rPr lang="en-US" smtClean="0"/>
-              <a:t>4/9/20</a:t>
+              <a:t>4/13/20</a:t>
             </a:fld>
             <a:endParaRPr lang="en-US"/>
           </a:p>
@@ -3112,7 +3122,7 @@
           <a:p>
             <a:fld id="{7E8D12A6-918A-48BD-8CB9-CA713993B0EA}" type="datetime1">
               <a:rPr lang="en-US" smtClean="0"/>
-              <a:t>4/9/20</a:t>
+              <a:t>4/13/20</a:t>
             </a:fld>
             <a:endParaRPr lang="en-US"/>
           </a:p>
@@ -3374,7 +3384,7 @@
             <a:fld id="{E778CE86-875F-4587-BCF6-FA054AFC0D53}" type="datetime1">
               <a:rPr lang="en-US" smtClean="0"/>
               <a:pPr/>
-              <a:t>4/9/20</a:t>
+              <a:t>4/13/20</a:t>
             </a:fld>
             <a:endParaRPr lang="en-US" dirty="0"/>
           </a:p>
@@ -3890,7 +3900,7 @@
           <a:p>
             <a:fld id="{F6FA2B21-3FCD-4721-B95C-427943F61125}" type="datetime1">
               <a:rPr lang="en-US" smtClean="0"/>
-              <a:t>4/9/20</a:t>
+              <a:t>4/13/20</a:t>
             </a:fld>
             <a:endParaRPr lang="en-US"/>
           </a:p>
@@ -4390,8 +4400,8 @@
         </p:blipFill>
         <p:spPr>
           <a:xfrm>
-            <a:off x="1" y="10"/>
-            <a:ext cx="12191999" cy="6857989"/>
+            <a:off x="1" y="-261247"/>
+            <a:ext cx="12191999" cy="7030182"/>
           </a:xfrm>
           <a:prstGeom prst="rect">
             <a:avLst/>
@@ -4516,7 +4526,7 @@
           <a:lstStyle/>
           <a:p>
             <a:r>
-              <a:rPr lang="en-US" sz="4800"/>
+              <a:rPr lang="en-US" sz="4800" dirty="0"/>
               <a:t>Accidental_Drug_Related_Deaths_2012-2018</a:t>
             </a:r>
           </a:p>
@@ -4541,16 +4551,64 @@
         <p:spPr>
           <a:xfrm>
             <a:off x="1629101" y="4682062"/>
-            <a:ext cx="8936846" cy="457201"/>
+            <a:ext cx="8936846" cy="764323"/>
           </a:xfrm>
         </p:spPr>
         <p:txBody>
           <a:bodyPr>
-            <a:normAutofit/>
+            <a:normAutofit fontScale="85000" lnSpcReduction="20000"/>
           </a:bodyPr>
           <a:lstStyle/>
           <a:p>
-            <a:endParaRPr lang="en-US"/>
+            <a:r>
+              <a:rPr lang="en-US" altLang="zh-CN" dirty="0"/>
+              <a:t>Peng</a:t>
+            </a:r>
+            <a:r>
+              <a:rPr lang="zh-CN" altLang="en-US" dirty="0"/>
+              <a:t> </a:t>
+            </a:r>
+            <a:r>
+              <a:rPr lang="en-US" altLang="zh-CN" dirty="0"/>
+              <a:t>Tan</a:t>
+            </a:r>
+          </a:p>
+          <a:p>
+            <a:r>
+              <a:rPr lang="en-US" altLang="zh-CN" dirty="0"/>
+              <a:t>Master</a:t>
+            </a:r>
+            <a:r>
+              <a:rPr lang="zh-CN" altLang="en-US" dirty="0"/>
+              <a:t> </a:t>
+            </a:r>
+            <a:r>
+              <a:rPr lang="en-US" altLang="zh-CN" dirty="0"/>
+              <a:t>of</a:t>
+            </a:r>
+            <a:r>
+              <a:rPr lang="zh-CN" altLang="en-US" dirty="0"/>
+              <a:t> </a:t>
+            </a:r>
+            <a:r>
+              <a:rPr lang="en-US" altLang="zh-CN" dirty="0"/>
+              <a:t>Computer</a:t>
+            </a:r>
+            <a:r>
+              <a:rPr lang="zh-CN" altLang="en-US" dirty="0"/>
+              <a:t> </a:t>
+            </a:r>
+            <a:r>
+              <a:rPr lang="en-US" altLang="zh-CN" dirty="0"/>
+              <a:t>Science</a:t>
+            </a:r>
+          </a:p>
+          <a:p>
+            <a:r>
+              <a:rPr lang="en-US" altLang="zh-CN" dirty="0"/>
+              <a:t>VT</a:t>
+            </a:r>
+            <a:endParaRPr lang="en-US" dirty="0"/>
           </a:p>
         </p:txBody>
       </p:sp>
@@ -4795,6 +4853,2125 @@
   </p:cSld>
   <p:clrMapOvr>
     <a:overrideClrMapping bg1="dk1" tx1="lt1" bg2="dk2" tx2="lt2" accent1="accent1" accent2="accent2" accent3="accent3" accent4="accent4" accent5="accent5" accent6="accent6" hlink="hlink" folHlink="folHlink"/>
+  </p:clrMapOvr>
+</p:sld>
+</file>
+
+<file path=ppt/slides/slide2.xml><?xml version="1.0" encoding="utf-8"?>
+<p:sld xmlns:a="http://schemas.openxmlformats.org/drawingml/2006/main" xmlns:r="http://schemas.openxmlformats.org/officeDocument/2006/relationships" xmlns:p="http://schemas.openxmlformats.org/presentationml/2006/main">
+  <p:cSld>
+    <p:spTree>
+      <p:nvGrpSpPr>
+        <p:cNvPr id="1" name=""/>
+        <p:cNvGrpSpPr/>
+        <p:nvPr/>
+      </p:nvGrpSpPr>
+      <p:grpSpPr>
+        <a:xfrm>
+          <a:off x="0" y="0"/>
+          <a:ext cx="0" cy="0"/>
+          <a:chOff x="0" y="0"/>
+          <a:chExt cx="0" cy="0"/>
+        </a:xfrm>
+      </p:grpSpPr>
+      <p:sp>
+        <p:nvSpPr>
+          <p:cNvPr id="2" name="Title 1">
+            <a:extLst>
+              <a:ext uri="{FF2B5EF4-FFF2-40B4-BE49-F238E27FC236}">
+                <a16:creationId xmlns:a16="http://schemas.microsoft.com/office/drawing/2014/main" id="{8AA60207-FA46-C24C-B8C3-D7CBDD08F742}"/>
+              </a:ext>
+            </a:extLst>
+          </p:cNvPr>
+          <p:cNvSpPr>
+            <a:spLocks noGrp="1"/>
+          </p:cNvSpPr>
+          <p:nvPr>
+            <p:ph type="title"/>
+          </p:nvPr>
+        </p:nvSpPr>
+        <p:spPr/>
+        <p:txBody>
+          <a:bodyPr/>
+          <a:lstStyle/>
+          <a:p>
+            <a:pPr algn="ctr"/>
+            <a:r>
+              <a:rPr lang="en-US" altLang="zh-CN" dirty="0"/>
+              <a:t>Introduction</a:t>
+            </a:r>
+            <a:r>
+              <a:rPr lang="zh-CN" altLang="en-US" dirty="0"/>
+              <a:t> </a:t>
+            </a:r>
+            <a:r>
+              <a:rPr lang="en-US" altLang="zh-CN" dirty="0"/>
+              <a:t>of</a:t>
+            </a:r>
+            <a:r>
+              <a:rPr lang="zh-CN" altLang="en-US" dirty="0"/>
+              <a:t> </a:t>
+            </a:r>
+            <a:r>
+              <a:rPr lang="en-US" altLang="zh-CN" dirty="0"/>
+              <a:t>Dataset</a:t>
+            </a:r>
+            <a:endParaRPr lang="en-US" dirty="0"/>
+          </a:p>
+        </p:txBody>
+      </p:sp>
+      <p:sp>
+        <p:nvSpPr>
+          <p:cNvPr id="3" name="Content Placeholder 2">
+            <a:extLst>
+              <a:ext uri="{FF2B5EF4-FFF2-40B4-BE49-F238E27FC236}">
+                <a16:creationId xmlns:a16="http://schemas.microsoft.com/office/drawing/2014/main" id="{5434833D-333D-3248-9B54-307FEBDFB9C1}"/>
+              </a:ext>
+            </a:extLst>
+          </p:cNvPr>
+          <p:cNvSpPr>
+            <a:spLocks noGrp="1"/>
+          </p:cNvSpPr>
+          <p:nvPr>
+            <p:ph idx="1"/>
+          </p:nvPr>
+        </p:nvSpPr>
+        <p:spPr/>
+        <p:txBody>
+          <a:bodyPr/>
+          <a:lstStyle/>
+          <a:p>
+            <a:r>
+              <a:rPr lang="en-US" dirty="0"/>
+              <a:t>A listing of each accidental death associated with drug overdose in Connecticut from 2012 to 2018.</a:t>
+            </a:r>
+          </a:p>
+          <a:p>
+            <a:r>
+              <a:rPr lang="en-US" altLang="zh-CN" dirty="0"/>
+              <a:t>1.8</a:t>
+            </a:r>
+            <a:r>
+              <a:rPr lang="zh-CN" altLang="en-US" dirty="0"/>
+              <a:t> </a:t>
+            </a:r>
+            <a:r>
+              <a:rPr lang="en-US" altLang="zh-CN" dirty="0"/>
+              <a:t>mega</a:t>
+            </a:r>
+            <a:r>
+              <a:rPr lang="zh-CN" altLang="en-US" dirty="0"/>
+              <a:t> </a:t>
+            </a:r>
+            <a:r>
+              <a:rPr lang="en-US" altLang="zh-CN" dirty="0"/>
+              <a:t>byte</a:t>
+            </a:r>
+          </a:p>
+          <a:p>
+            <a:r>
+              <a:rPr lang="en-US" altLang="zh-CN" dirty="0"/>
+              <a:t>This</a:t>
+            </a:r>
+            <a:r>
+              <a:rPr lang="zh-CN" altLang="en-US" dirty="0"/>
+              <a:t> </a:t>
+            </a:r>
+            <a:r>
+              <a:rPr lang="en-US" altLang="zh-CN" dirty="0"/>
+              <a:t>dataset</a:t>
+            </a:r>
+            <a:r>
+              <a:rPr lang="zh-CN" altLang="en-US" dirty="0"/>
+              <a:t> </a:t>
+            </a:r>
+            <a:r>
+              <a:rPr lang="en-US" altLang="zh-CN" dirty="0"/>
+              <a:t>store</a:t>
+            </a:r>
+            <a:r>
+              <a:rPr lang="zh-CN" altLang="en-US" dirty="0"/>
+              <a:t> </a:t>
+            </a:r>
+            <a:r>
+              <a:rPr lang="en-US" altLang="zh-CN" dirty="0"/>
+              <a:t>5105</a:t>
+            </a:r>
+            <a:r>
+              <a:rPr lang="zh-CN" altLang="en-US" dirty="0"/>
+              <a:t> </a:t>
+            </a:r>
+            <a:r>
+              <a:rPr lang="en-US" altLang="zh-CN" dirty="0"/>
+              <a:t>dead</a:t>
+            </a:r>
+            <a:r>
+              <a:rPr lang="zh-CN" altLang="en-US" dirty="0"/>
+              <a:t> </a:t>
+            </a:r>
+            <a:r>
+              <a:rPr lang="en-US" altLang="zh-CN" dirty="0"/>
+              <a:t>caused</a:t>
+            </a:r>
+            <a:r>
+              <a:rPr lang="zh-CN" altLang="en-US" dirty="0"/>
+              <a:t> </a:t>
+            </a:r>
+            <a:r>
+              <a:rPr lang="en-US" altLang="zh-CN" dirty="0"/>
+              <a:t>by</a:t>
+            </a:r>
+            <a:r>
+              <a:rPr lang="zh-CN" altLang="en-US" dirty="0"/>
+              <a:t> </a:t>
+            </a:r>
+            <a:r>
+              <a:rPr lang="en-US" altLang="zh-CN" dirty="0"/>
+              <a:t>drug</a:t>
+            </a:r>
+            <a:r>
+              <a:rPr lang="zh-CN" altLang="en-US" dirty="0"/>
+              <a:t> </a:t>
+            </a:r>
+            <a:r>
+              <a:rPr lang="en-US" altLang="zh-CN" dirty="0"/>
+              <a:t>overdose.</a:t>
+            </a:r>
+          </a:p>
+          <a:p>
+            <a:r>
+              <a:rPr lang="en-US" altLang="zh-CN" dirty="0"/>
+              <a:t>Most</a:t>
+            </a:r>
+            <a:r>
+              <a:rPr lang="zh-CN" altLang="en-US" dirty="0"/>
+              <a:t> </a:t>
+            </a:r>
+            <a:r>
+              <a:rPr lang="en-US" altLang="zh-CN" dirty="0"/>
+              <a:t>interesting</a:t>
+            </a:r>
+            <a:r>
+              <a:rPr lang="zh-CN" altLang="en-US" dirty="0"/>
+              <a:t> </a:t>
+            </a:r>
+            <a:r>
+              <a:rPr lang="en-US" altLang="zh-CN" dirty="0"/>
+              <a:t>thing</a:t>
+            </a:r>
+            <a:r>
+              <a:rPr lang="zh-CN" altLang="en-US" dirty="0"/>
+              <a:t> </a:t>
+            </a:r>
+            <a:r>
+              <a:rPr lang="en-US" altLang="zh-CN" dirty="0"/>
+              <a:t>about</a:t>
+            </a:r>
+            <a:r>
+              <a:rPr lang="zh-CN" altLang="en-US" dirty="0"/>
+              <a:t> </a:t>
+            </a:r>
+            <a:r>
+              <a:rPr lang="en-US" altLang="zh-CN" dirty="0"/>
+              <a:t>this</a:t>
+            </a:r>
+            <a:r>
+              <a:rPr lang="zh-CN" altLang="en-US" dirty="0"/>
+              <a:t> </a:t>
+            </a:r>
+            <a:r>
+              <a:rPr lang="en-US" altLang="zh-CN" dirty="0"/>
+              <a:t>dataset</a:t>
+            </a:r>
+            <a:r>
+              <a:rPr lang="zh-CN" altLang="en-US" dirty="0"/>
+              <a:t> </a:t>
+            </a:r>
+            <a:r>
+              <a:rPr lang="en-US" altLang="zh-CN" dirty="0"/>
+              <a:t>is</a:t>
+            </a:r>
+            <a:r>
+              <a:rPr lang="zh-CN" altLang="en-US" dirty="0"/>
+              <a:t> </a:t>
+            </a:r>
+            <a:r>
+              <a:rPr lang="en-US" altLang="zh-CN" dirty="0"/>
+              <a:t>that</a:t>
+            </a:r>
+            <a:r>
+              <a:rPr lang="zh-CN" altLang="en-US" dirty="0"/>
+              <a:t> </a:t>
+            </a:r>
+            <a:r>
+              <a:rPr lang="en-US" altLang="zh-CN" dirty="0"/>
+              <a:t>three</a:t>
+            </a:r>
+            <a:r>
+              <a:rPr lang="zh-CN" altLang="en-US" dirty="0"/>
+              <a:t> </a:t>
+            </a:r>
+            <a:r>
+              <a:rPr lang="en-US" altLang="zh-CN" dirty="0"/>
+              <a:t>columns</a:t>
+            </a:r>
+            <a:r>
+              <a:rPr lang="zh-CN" altLang="en-US" dirty="0"/>
+              <a:t> </a:t>
+            </a:r>
+            <a:r>
+              <a:rPr lang="en-US" altLang="zh-CN" dirty="0"/>
+              <a:t>of</a:t>
+            </a:r>
+            <a:r>
+              <a:rPr lang="zh-CN" altLang="en-US" dirty="0"/>
+              <a:t> </a:t>
+            </a:r>
+            <a:r>
+              <a:rPr lang="en-US" altLang="zh-CN" dirty="0"/>
+              <a:t>data</a:t>
+            </a:r>
+            <a:r>
+              <a:rPr lang="zh-CN" altLang="en-US" dirty="0"/>
+              <a:t>                 </a:t>
+            </a:r>
+            <a:r>
+              <a:rPr lang="en-US" altLang="zh-CN" dirty="0"/>
+              <a:t>“Death</a:t>
+            </a:r>
+            <a:r>
+              <a:rPr lang="zh-CN" altLang="en-US" dirty="0"/>
+              <a:t> </a:t>
+            </a:r>
+            <a:r>
+              <a:rPr lang="en-US" altLang="zh-CN" dirty="0"/>
+              <a:t>City”,</a:t>
+            </a:r>
+            <a:r>
+              <a:rPr lang="zh-CN" altLang="en-US" dirty="0"/>
+              <a:t> </a:t>
+            </a:r>
+            <a:r>
+              <a:rPr lang="en-US" altLang="zh-CN" dirty="0"/>
+              <a:t>“Injury</a:t>
+            </a:r>
+            <a:r>
+              <a:rPr lang="zh-CN" altLang="en-US" dirty="0"/>
+              <a:t> </a:t>
+            </a:r>
+            <a:r>
+              <a:rPr lang="en-US" altLang="zh-CN" dirty="0"/>
+              <a:t>City”,</a:t>
+            </a:r>
+            <a:r>
+              <a:rPr lang="zh-CN" altLang="en-US" dirty="0"/>
+              <a:t> </a:t>
+            </a:r>
+            <a:r>
+              <a:rPr lang="en-US" altLang="zh-CN" dirty="0"/>
+              <a:t>“Residence</a:t>
+            </a:r>
+            <a:r>
+              <a:rPr lang="zh-CN" altLang="en-US" dirty="0"/>
+              <a:t> </a:t>
+            </a:r>
+            <a:r>
+              <a:rPr lang="en-US" altLang="zh-CN" dirty="0"/>
+              <a:t>City”</a:t>
+            </a:r>
+            <a:r>
+              <a:rPr lang="zh-CN" altLang="en-US" dirty="0"/>
+              <a:t> </a:t>
+            </a:r>
+            <a:r>
+              <a:rPr lang="en-US" altLang="zh-CN" dirty="0"/>
+              <a:t>contains</a:t>
+            </a:r>
+            <a:r>
+              <a:rPr lang="zh-CN" altLang="en-US" dirty="0"/>
+              <a:t> </a:t>
+            </a:r>
+            <a:r>
+              <a:rPr lang="en-US" altLang="zh-CN" dirty="0"/>
+              <a:t>Latitude and longitude coordinates,</a:t>
+            </a:r>
+            <a:r>
+              <a:rPr lang="zh-CN" altLang="en-US" dirty="0"/>
+              <a:t> </a:t>
+            </a:r>
+            <a:r>
+              <a:rPr lang="en-US" altLang="zh-CN" dirty="0"/>
+              <a:t>which</a:t>
+            </a:r>
+            <a:r>
+              <a:rPr lang="zh-CN" altLang="en-US" dirty="0"/>
+              <a:t> </a:t>
+            </a:r>
+            <a:r>
+              <a:rPr lang="en-US" altLang="zh-CN" dirty="0"/>
+              <a:t>means</a:t>
+            </a:r>
+            <a:r>
+              <a:rPr lang="zh-CN" altLang="en-US" dirty="0"/>
+              <a:t> </a:t>
+            </a:r>
+            <a:r>
+              <a:rPr lang="en-US" altLang="zh-CN" dirty="0"/>
+              <a:t>that</a:t>
+            </a:r>
+            <a:r>
+              <a:rPr lang="zh-CN" altLang="en-US" dirty="0"/>
+              <a:t> </a:t>
+            </a:r>
+            <a:r>
+              <a:rPr lang="en-US" altLang="zh-CN" dirty="0"/>
+              <a:t>I</a:t>
+            </a:r>
+            <a:r>
+              <a:rPr lang="zh-CN" altLang="en-US" dirty="0"/>
+              <a:t> </a:t>
+            </a:r>
+            <a:r>
+              <a:rPr lang="en-US" altLang="zh-CN" dirty="0"/>
+              <a:t>can</a:t>
+            </a:r>
+            <a:r>
+              <a:rPr lang="zh-CN" altLang="en-US" dirty="0"/>
+              <a:t> </a:t>
+            </a:r>
+            <a:r>
+              <a:rPr lang="en-US" altLang="zh-CN" dirty="0"/>
+              <a:t>show</a:t>
+            </a:r>
+            <a:r>
+              <a:rPr lang="zh-CN" altLang="en-US" dirty="0"/>
+              <a:t> </a:t>
+            </a:r>
+            <a:r>
+              <a:rPr lang="en-US" altLang="zh-CN" dirty="0"/>
+              <a:t>all</a:t>
+            </a:r>
+            <a:r>
+              <a:rPr lang="zh-CN" altLang="en-US" dirty="0"/>
+              <a:t> </a:t>
+            </a:r>
+            <a:r>
+              <a:rPr lang="en-US" altLang="zh-CN" dirty="0"/>
+              <a:t>information</a:t>
+            </a:r>
+            <a:r>
+              <a:rPr lang="zh-CN" altLang="en-US" dirty="0"/>
+              <a:t> </a:t>
+            </a:r>
+            <a:r>
+              <a:rPr lang="en-US" altLang="zh-CN" dirty="0"/>
+              <a:t>by</a:t>
+            </a:r>
+            <a:r>
+              <a:rPr lang="zh-CN" altLang="en-US" dirty="0"/>
+              <a:t> </a:t>
+            </a:r>
+            <a:r>
+              <a:rPr lang="en-US" altLang="zh-CN" dirty="0"/>
+              <a:t>map</a:t>
+            </a:r>
+            <a:r>
+              <a:rPr lang="zh-CN" altLang="en-US" dirty="0"/>
+              <a:t> </a:t>
+            </a:r>
+            <a:r>
+              <a:rPr lang="en-US" altLang="zh-CN" dirty="0"/>
+              <a:t>rather</a:t>
+            </a:r>
+            <a:r>
+              <a:rPr lang="zh-CN" altLang="en-US" dirty="0"/>
+              <a:t> </a:t>
+            </a:r>
+            <a:r>
+              <a:rPr lang="en-US" altLang="zh-CN" dirty="0"/>
+              <a:t>than</a:t>
+            </a:r>
+            <a:r>
+              <a:rPr lang="zh-CN" altLang="en-US" dirty="0"/>
+              <a:t> </a:t>
+            </a:r>
+            <a:r>
+              <a:rPr lang="en-US" altLang="zh-CN" dirty="0"/>
+              <a:t>just</a:t>
+            </a:r>
+            <a:r>
+              <a:rPr lang="zh-CN" altLang="en-US" dirty="0"/>
+              <a:t> </a:t>
+            </a:r>
+            <a:r>
+              <a:rPr lang="en-US" altLang="zh-CN" dirty="0"/>
+              <a:t>number</a:t>
+            </a:r>
+            <a:r>
+              <a:rPr lang="zh-CN" altLang="en-US" dirty="0"/>
+              <a:t> </a:t>
+            </a:r>
+            <a:r>
+              <a:rPr lang="en-US" altLang="zh-CN" dirty="0"/>
+              <a:t>comparison.</a:t>
+            </a:r>
+            <a:r>
+              <a:rPr lang="zh-CN" altLang="en-US" dirty="0"/>
+              <a:t> </a:t>
+            </a:r>
+            <a:endParaRPr lang="en-US" altLang="zh-CN" dirty="0"/>
+          </a:p>
+          <a:p>
+            <a:r>
+              <a:rPr lang="en-US" altLang="zh-CN" dirty="0"/>
+              <a:t>When</a:t>
+            </a:r>
+            <a:r>
+              <a:rPr lang="zh-CN" altLang="en-US" dirty="0"/>
+              <a:t> </a:t>
+            </a:r>
+            <a:r>
+              <a:rPr lang="en-US" altLang="zh-CN" dirty="0"/>
+              <a:t>we</a:t>
+            </a:r>
+            <a:r>
+              <a:rPr lang="zh-CN" altLang="en-US" dirty="0"/>
+              <a:t> </a:t>
+            </a:r>
+            <a:r>
+              <a:rPr lang="en-US" altLang="zh-CN" dirty="0"/>
+              <a:t>want</a:t>
+            </a:r>
+            <a:r>
+              <a:rPr lang="zh-CN" altLang="en-US" dirty="0"/>
+              <a:t> </a:t>
+            </a:r>
+            <a:r>
+              <a:rPr lang="en-US" altLang="zh-CN" dirty="0"/>
+              <a:t>to</a:t>
+            </a:r>
+            <a:r>
+              <a:rPr lang="zh-CN" altLang="en-US" dirty="0"/>
+              <a:t> </a:t>
+            </a:r>
+            <a:r>
+              <a:rPr lang="en-US" altLang="zh-CN" dirty="0"/>
+              <a:t>draw</a:t>
+            </a:r>
+            <a:r>
+              <a:rPr lang="zh-CN" altLang="en-US" dirty="0"/>
+              <a:t> </a:t>
+            </a:r>
+            <a:r>
+              <a:rPr lang="en-US" altLang="zh-CN" dirty="0"/>
+              <a:t>map,</a:t>
+            </a:r>
+            <a:r>
+              <a:rPr lang="zh-CN" altLang="en-US" dirty="0"/>
+              <a:t> </a:t>
+            </a:r>
+            <a:r>
+              <a:rPr lang="en-US" altLang="zh-CN" dirty="0"/>
+              <a:t>using</a:t>
+            </a:r>
+            <a:r>
+              <a:rPr lang="zh-CN" altLang="en-US" dirty="0"/>
+              <a:t> </a:t>
+            </a:r>
+            <a:r>
+              <a:rPr lang="en-US" altLang="zh-CN" dirty="0"/>
+              <a:t>tableau</a:t>
+            </a:r>
+            <a:r>
+              <a:rPr lang="zh-CN" altLang="en-US" dirty="0"/>
+              <a:t> </a:t>
+            </a:r>
+            <a:r>
+              <a:rPr lang="en-US" altLang="zh-CN" dirty="0"/>
+              <a:t>is</a:t>
+            </a:r>
+            <a:r>
+              <a:rPr lang="zh-CN" altLang="en-US" dirty="0"/>
+              <a:t> </a:t>
+            </a:r>
+            <a:r>
+              <a:rPr lang="en-US" altLang="zh-CN" dirty="0"/>
+              <a:t>more</a:t>
+            </a:r>
+            <a:r>
+              <a:rPr lang="zh-CN" altLang="en-US" dirty="0"/>
+              <a:t> </a:t>
+            </a:r>
+            <a:r>
+              <a:rPr lang="en-US" altLang="zh-CN" dirty="0"/>
+              <a:t>efficient</a:t>
+            </a:r>
+          </a:p>
+          <a:p>
+            <a:r>
+              <a:rPr lang="en-US" altLang="zh-CN" dirty="0"/>
+              <a:t>method.</a:t>
+            </a:r>
+          </a:p>
+        </p:txBody>
+      </p:sp>
+      <p:cxnSp>
+        <p:nvCxnSpPr>
+          <p:cNvPr id="7" name="Straight Arrow Connector 6">
+            <a:extLst>
+              <a:ext uri="{FF2B5EF4-FFF2-40B4-BE49-F238E27FC236}">
+                <a16:creationId xmlns:a16="http://schemas.microsoft.com/office/drawing/2014/main" id="{40EBFE3E-2E7F-B549-96B7-6E8D190F3BF1}"/>
+              </a:ext>
+            </a:extLst>
+          </p:cNvPr>
+          <p:cNvCxnSpPr/>
+          <p:nvPr/>
+        </p:nvCxnSpPr>
+        <p:spPr>
+          <a:xfrm>
+            <a:off x="7350826" y="3515096"/>
+            <a:ext cx="771896" cy="0"/>
+          </a:xfrm>
+          <a:prstGeom prst="straightConnector1">
+            <a:avLst/>
+          </a:prstGeom>
+          <a:ln>
+            <a:tailEnd type="triangle"/>
+          </a:ln>
+        </p:spPr>
+        <p:style>
+          <a:lnRef idx="1">
+            <a:schemeClr val="accent1"/>
+          </a:lnRef>
+          <a:fillRef idx="0">
+            <a:schemeClr val="accent1"/>
+          </a:fillRef>
+          <a:effectRef idx="0">
+            <a:schemeClr val="accent1"/>
+          </a:effectRef>
+          <a:fontRef idx="minor">
+            <a:schemeClr val="tx1"/>
+          </a:fontRef>
+        </p:style>
+      </p:cxnSp>
+      <p:pic>
+        <p:nvPicPr>
+          <p:cNvPr id="9" name="Picture 8" descr="A close up of a map&#10;&#10;Description automatically generated">
+            <a:extLst>
+              <a:ext uri="{FF2B5EF4-FFF2-40B4-BE49-F238E27FC236}">
+                <a16:creationId xmlns:a16="http://schemas.microsoft.com/office/drawing/2014/main" id="{19EE1522-C480-CA4E-AA8A-160113E2F692}"/>
+              </a:ext>
+            </a:extLst>
+          </p:cNvPr>
+          <p:cNvPicPr>
+            <a:picLocks noChangeAspect="1"/>
+          </p:cNvPicPr>
+          <p:nvPr/>
+        </p:nvPicPr>
+        <p:blipFill>
+          <a:blip r:embed="rId2"/>
+          <a:stretch>
+            <a:fillRect/>
+          </a:stretch>
+        </p:blipFill>
+        <p:spPr>
+          <a:xfrm>
+            <a:off x="6460177" y="3906982"/>
+            <a:ext cx="4665023" cy="2517565"/>
+          </a:xfrm>
+          <a:prstGeom prst="rect">
+            <a:avLst/>
+          </a:prstGeom>
+        </p:spPr>
+      </p:pic>
+    </p:spTree>
+    <p:extLst>
+      <p:ext uri="{BB962C8B-B14F-4D97-AF65-F5344CB8AC3E}">
+        <p14:creationId xmlns:p14="http://schemas.microsoft.com/office/powerpoint/2010/main" val="1290006363"/>
+      </p:ext>
+    </p:extLst>
+  </p:cSld>
+  <p:clrMapOvr>
+    <a:masterClrMapping/>
+  </p:clrMapOvr>
+</p:sld>
+</file>
+
+<file path=ppt/slides/slide3.xml><?xml version="1.0" encoding="utf-8"?>
+<p:sld xmlns:a="http://schemas.openxmlformats.org/drawingml/2006/main" xmlns:r="http://schemas.openxmlformats.org/officeDocument/2006/relationships" xmlns:p="http://schemas.openxmlformats.org/presentationml/2006/main">
+  <p:cSld>
+    <p:spTree>
+      <p:nvGrpSpPr>
+        <p:cNvPr id="1" name=""/>
+        <p:cNvGrpSpPr/>
+        <p:nvPr/>
+      </p:nvGrpSpPr>
+      <p:grpSpPr>
+        <a:xfrm>
+          <a:off x="0" y="0"/>
+          <a:ext cx="0" cy="0"/>
+          <a:chOff x="0" y="0"/>
+          <a:chExt cx="0" cy="0"/>
+        </a:xfrm>
+      </p:grpSpPr>
+      <p:sp>
+        <p:nvSpPr>
+          <p:cNvPr id="2" name="Title 1">
+            <a:extLst>
+              <a:ext uri="{FF2B5EF4-FFF2-40B4-BE49-F238E27FC236}">
+                <a16:creationId xmlns:a16="http://schemas.microsoft.com/office/drawing/2014/main" id="{4B574263-C0C8-7F40-BFC1-8A5DE8B5EDE9}"/>
+              </a:ext>
+            </a:extLst>
+          </p:cNvPr>
+          <p:cNvSpPr>
+            <a:spLocks noGrp="1"/>
+          </p:cNvSpPr>
+          <p:nvPr>
+            <p:ph type="title"/>
+          </p:nvPr>
+        </p:nvSpPr>
+        <p:spPr/>
+        <p:txBody>
+          <a:bodyPr/>
+          <a:lstStyle/>
+          <a:p>
+            <a:pPr algn="ctr"/>
+            <a:r>
+              <a:rPr lang="en-US" altLang="zh-CN" dirty="0"/>
+              <a:t>About</a:t>
+            </a:r>
+            <a:r>
+              <a:rPr lang="zh-CN" altLang="en-US" dirty="0"/>
+              <a:t> </a:t>
+            </a:r>
+            <a:r>
+              <a:rPr lang="en-US" altLang="zh-CN" dirty="0"/>
+              <a:t>my</a:t>
+            </a:r>
+            <a:r>
+              <a:rPr lang="zh-CN" altLang="en-US" dirty="0"/>
+              <a:t> </a:t>
+            </a:r>
+            <a:r>
+              <a:rPr lang="en-US" altLang="zh-CN" dirty="0"/>
+              <a:t>project</a:t>
+            </a:r>
+            <a:endParaRPr lang="en-US" dirty="0"/>
+          </a:p>
+        </p:txBody>
+      </p:sp>
+      <p:sp>
+        <p:nvSpPr>
+          <p:cNvPr id="3" name="Content Placeholder 2">
+            <a:extLst>
+              <a:ext uri="{FF2B5EF4-FFF2-40B4-BE49-F238E27FC236}">
+                <a16:creationId xmlns:a16="http://schemas.microsoft.com/office/drawing/2014/main" id="{AFB3B3B6-9709-7B45-A700-FEB94883F38A}"/>
+              </a:ext>
+            </a:extLst>
+          </p:cNvPr>
+          <p:cNvSpPr>
+            <a:spLocks noGrp="1"/>
+          </p:cNvSpPr>
+          <p:nvPr>
+            <p:ph idx="1"/>
+          </p:nvPr>
+        </p:nvSpPr>
+        <p:spPr/>
+        <p:txBody>
+          <a:bodyPr/>
+          <a:lstStyle/>
+          <a:p>
+            <a:r>
+              <a:rPr lang="en-US" altLang="zh-CN" dirty="0"/>
+              <a:t>In</a:t>
+            </a:r>
+            <a:r>
+              <a:rPr lang="zh-CN" altLang="en-US" dirty="0"/>
+              <a:t> </a:t>
+            </a:r>
+            <a:r>
+              <a:rPr lang="en-US" altLang="zh-CN" dirty="0"/>
+              <a:t>this</a:t>
+            </a:r>
+            <a:r>
+              <a:rPr lang="zh-CN" altLang="en-US" dirty="0"/>
+              <a:t> </a:t>
+            </a:r>
+            <a:r>
+              <a:rPr lang="en-US" altLang="zh-CN" dirty="0"/>
+              <a:t>project,</a:t>
+            </a:r>
+            <a:r>
+              <a:rPr lang="zh-CN" altLang="en-US" dirty="0"/>
+              <a:t> </a:t>
+            </a:r>
+            <a:r>
+              <a:rPr lang="en-US" altLang="zh-CN" dirty="0"/>
+              <a:t>I</a:t>
+            </a:r>
+            <a:r>
+              <a:rPr lang="zh-CN" altLang="en-US" dirty="0"/>
+              <a:t> </a:t>
+            </a:r>
+            <a:r>
+              <a:rPr lang="en-US" altLang="zh-CN" dirty="0"/>
+              <a:t>just</a:t>
+            </a:r>
+            <a:r>
+              <a:rPr lang="zh-CN" altLang="en-US" dirty="0"/>
+              <a:t> </a:t>
+            </a:r>
+            <a:r>
+              <a:rPr lang="en-US" altLang="zh-CN" dirty="0"/>
+              <a:t>use</a:t>
+            </a:r>
+            <a:r>
+              <a:rPr lang="zh-CN" altLang="en-US" dirty="0"/>
+              <a:t> </a:t>
+            </a:r>
+            <a:r>
+              <a:rPr lang="en-US" altLang="zh-CN" dirty="0"/>
+              <a:t>two</a:t>
+            </a:r>
+            <a:r>
+              <a:rPr lang="zh-CN" altLang="en-US" dirty="0"/>
+              <a:t> </a:t>
+            </a:r>
+            <a:r>
+              <a:rPr lang="en-US" altLang="zh-CN" dirty="0"/>
+              <a:t>different</a:t>
+            </a:r>
+            <a:r>
+              <a:rPr lang="zh-CN" altLang="en-US" dirty="0"/>
+              <a:t> </a:t>
+            </a:r>
+            <a:r>
+              <a:rPr lang="en-US" altLang="zh-CN" dirty="0"/>
+              <a:t>method</a:t>
+            </a:r>
+            <a:r>
+              <a:rPr lang="zh-CN" altLang="en-US" dirty="0"/>
+              <a:t> </a:t>
+            </a:r>
+            <a:r>
+              <a:rPr lang="en-US" altLang="zh-CN" dirty="0"/>
+              <a:t>to</a:t>
+            </a:r>
+            <a:r>
+              <a:rPr lang="zh-CN" altLang="en-US" dirty="0"/>
+              <a:t> </a:t>
+            </a:r>
+            <a:r>
+              <a:rPr lang="en-US" altLang="zh-CN" dirty="0"/>
+              <a:t>help</a:t>
+            </a:r>
+            <a:r>
+              <a:rPr lang="zh-CN" altLang="en-US" dirty="0"/>
+              <a:t> </a:t>
+            </a:r>
+            <a:r>
+              <a:rPr lang="en-US" altLang="zh-CN" dirty="0"/>
+              <a:t>me</a:t>
+            </a:r>
+            <a:r>
+              <a:rPr lang="zh-CN" altLang="en-US" dirty="0"/>
+              <a:t> </a:t>
+            </a:r>
+            <a:r>
+              <a:rPr lang="en-US" altLang="zh-CN" dirty="0"/>
+              <a:t>to</a:t>
+            </a:r>
+            <a:r>
+              <a:rPr lang="zh-CN" altLang="en-US" dirty="0"/>
+              <a:t> </a:t>
+            </a:r>
+            <a:r>
+              <a:rPr lang="en-US" altLang="zh-CN" dirty="0"/>
+              <a:t>analyze</a:t>
+            </a:r>
+            <a:r>
+              <a:rPr lang="zh-CN" altLang="en-US" dirty="0"/>
+              <a:t> </a:t>
+            </a:r>
+            <a:r>
+              <a:rPr lang="en-US" altLang="zh-CN" dirty="0"/>
+              <a:t>data.</a:t>
+            </a:r>
+            <a:r>
+              <a:rPr lang="zh-CN" altLang="en-US" dirty="0"/>
+              <a:t>  </a:t>
+            </a:r>
+            <a:r>
+              <a:rPr lang="en-US" altLang="zh-CN" dirty="0"/>
+              <a:t>Python</a:t>
+            </a:r>
+            <a:r>
+              <a:rPr lang="zh-CN" altLang="en-US" dirty="0"/>
+              <a:t> </a:t>
+            </a:r>
+            <a:r>
+              <a:rPr lang="en-US" altLang="zh-CN" dirty="0"/>
+              <a:t>and</a:t>
+            </a:r>
+            <a:r>
+              <a:rPr lang="zh-CN" altLang="en-US" dirty="0"/>
+              <a:t> </a:t>
+            </a:r>
+            <a:r>
+              <a:rPr lang="en-US" altLang="zh-CN" dirty="0"/>
+              <a:t>Tableau.</a:t>
+            </a:r>
+          </a:p>
+          <a:p>
+            <a:r>
+              <a:rPr lang="en-US" altLang="zh-CN" dirty="0"/>
+              <a:t>In</a:t>
+            </a:r>
+            <a:r>
+              <a:rPr lang="zh-CN" altLang="en-US" dirty="0"/>
+              <a:t> </a:t>
+            </a:r>
+            <a:r>
+              <a:rPr lang="en-US" altLang="zh-CN" dirty="0"/>
+              <a:t>python,</a:t>
+            </a:r>
+            <a:r>
+              <a:rPr lang="zh-CN" altLang="en-US" dirty="0"/>
+              <a:t> </a:t>
+            </a:r>
+            <a:r>
+              <a:rPr lang="en-US" altLang="zh-CN" dirty="0"/>
+              <a:t>I</a:t>
+            </a:r>
+            <a:r>
+              <a:rPr lang="zh-CN" altLang="en-US" dirty="0"/>
+              <a:t> </a:t>
+            </a:r>
+            <a:r>
+              <a:rPr lang="en-US" altLang="zh-CN" dirty="0"/>
+              <a:t>just</a:t>
+            </a:r>
+            <a:r>
+              <a:rPr lang="zh-CN" altLang="en-US" dirty="0"/>
+              <a:t> </a:t>
+            </a:r>
+            <a:r>
+              <a:rPr lang="en-US" altLang="zh-CN" dirty="0"/>
+              <a:t>using</a:t>
+            </a:r>
+            <a:r>
+              <a:rPr lang="zh-CN" altLang="en-US" dirty="0"/>
+              <a:t> </a:t>
+            </a:r>
+            <a:r>
+              <a:rPr lang="en-US" altLang="zh-CN" dirty="0"/>
+              <a:t>a</a:t>
+            </a:r>
+            <a:r>
+              <a:rPr lang="zh-CN" altLang="en-US" dirty="0"/>
+              <a:t> </a:t>
+            </a:r>
+            <a:r>
+              <a:rPr lang="en-US" altLang="zh-CN" dirty="0"/>
+              <a:t>package</a:t>
+            </a:r>
+            <a:r>
+              <a:rPr lang="zh-CN" altLang="en-US" dirty="0"/>
+              <a:t> </a:t>
+            </a:r>
+            <a:r>
+              <a:rPr lang="en-US" altLang="zh-CN" dirty="0"/>
+              <a:t>called</a:t>
+            </a:r>
+            <a:r>
+              <a:rPr lang="zh-CN" altLang="en-US" dirty="0"/>
+              <a:t> </a:t>
+            </a:r>
+            <a:r>
+              <a:rPr lang="en-US" altLang="zh-CN" dirty="0"/>
+              <a:t>“Plotly”</a:t>
+            </a:r>
+            <a:r>
+              <a:rPr lang="zh-CN" altLang="en-US" dirty="0"/>
+              <a:t> </a:t>
+            </a:r>
+            <a:r>
+              <a:rPr lang="en-US" altLang="zh-CN" dirty="0"/>
+              <a:t>to</a:t>
+            </a:r>
+            <a:r>
+              <a:rPr lang="zh-CN" altLang="en-US" dirty="0"/>
+              <a:t> </a:t>
+            </a:r>
+            <a:r>
+              <a:rPr lang="en-US" altLang="zh-CN" dirty="0"/>
+              <a:t>help</a:t>
+            </a:r>
+            <a:r>
+              <a:rPr lang="zh-CN" altLang="en-US" dirty="0"/>
+              <a:t> </a:t>
+            </a:r>
+            <a:r>
+              <a:rPr lang="en-US" altLang="zh-CN" dirty="0"/>
+              <a:t>me</a:t>
+            </a:r>
+            <a:r>
+              <a:rPr lang="zh-CN" altLang="en-US" dirty="0"/>
+              <a:t> </a:t>
+            </a:r>
+            <a:r>
+              <a:rPr lang="en-US" altLang="zh-CN" dirty="0"/>
+              <a:t>draw</a:t>
+            </a:r>
+            <a:r>
+              <a:rPr lang="zh-CN" altLang="en-US" dirty="0"/>
+              <a:t> </a:t>
+            </a:r>
+            <a:r>
+              <a:rPr lang="en-US" altLang="zh-CN" dirty="0"/>
+              <a:t>an</a:t>
+            </a:r>
+            <a:r>
+              <a:rPr lang="zh-CN" altLang="en-US" dirty="0"/>
+              <a:t> </a:t>
+            </a:r>
+            <a:r>
+              <a:rPr lang="en-US" altLang="zh-CN" dirty="0"/>
+              <a:t>interactive</a:t>
+            </a:r>
+            <a:r>
+              <a:rPr lang="zh-CN" altLang="en-US" dirty="0"/>
+              <a:t> </a:t>
+            </a:r>
+            <a:r>
+              <a:rPr lang="en-US" altLang="zh-CN" dirty="0"/>
+              <a:t>image.</a:t>
+            </a:r>
+            <a:r>
+              <a:rPr lang="zh-CN" altLang="en-US" dirty="0"/>
+              <a:t> </a:t>
+            </a:r>
+            <a:r>
+              <a:rPr lang="en-US" altLang="zh-CN" dirty="0"/>
+              <a:t>When</a:t>
+            </a:r>
+            <a:r>
+              <a:rPr lang="zh-CN" altLang="en-US" dirty="0"/>
+              <a:t> </a:t>
+            </a:r>
+            <a:r>
+              <a:rPr lang="en-US" altLang="zh-CN" dirty="0"/>
+              <a:t>we</a:t>
+            </a:r>
+            <a:r>
+              <a:rPr lang="zh-CN" altLang="en-US" dirty="0"/>
+              <a:t> </a:t>
+            </a:r>
+            <a:r>
+              <a:rPr lang="en-US" altLang="zh-CN" dirty="0"/>
+              <a:t>move</a:t>
+            </a:r>
+            <a:r>
+              <a:rPr lang="zh-CN" altLang="en-US" dirty="0"/>
+              <a:t> </a:t>
+            </a:r>
+            <a:r>
+              <a:rPr lang="en-US" altLang="zh-CN" dirty="0"/>
+              <a:t>the</a:t>
+            </a:r>
+            <a:r>
+              <a:rPr lang="zh-CN" altLang="en-US" dirty="0"/>
+              <a:t> </a:t>
+            </a:r>
+            <a:r>
+              <a:rPr lang="en-US" altLang="zh-CN" dirty="0"/>
+              <a:t>mouse</a:t>
+            </a:r>
+            <a:r>
+              <a:rPr lang="zh-CN" altLang="en-US" dirty="0"/>
+              <a:t> </a:t>
+            </a:r>
+            <a:r>
+              <a:rPr lang="en-US" altLang="zh-CN" dirty="0"/>
+              <a:t>to</a:t>
+            </a:r>
+            <a:r>
+              <a:rPr lang="zh-CN" altLang="en-US" dirty="0"/>
+              <a:t> </a:t>
+            </a:r>
+            <a:r>
+              <a:rPr lang="en-US" altLang="zh-CN" dirty="0"/>
+              <a:t>image,</a:t>
+            </a:r>
+            <a:r>
+              <a:rPr lang="zh-CN" altLang="en-US" dirty="0"/>
+              <a:t> </a:t>
+            </a:r>
+            <a:r>
+              <a:rPr lang="en-US" altLang="zh-CN" dirty="0"/>
+              <a:t>it</a:t>
+            </a:r>
+            <a:r>
+              <a:rPr lang="zh-CN" altLang="en-US" dirty="0"/>
+              <a:t> </a:t>
+            </a:r>
+            <a:r>
+              <a:rPr lang="en-US" altLang="zh-CN" dirty="0"/>
+              <a:t>will</a:t>
+            </a:r>
+            <a:r>
+              <a:rPr lang="zh-CN" altLang="en-US" dirty="0"/>
+              <a:t> </a:t>
+            </a:r>
+            <a:r>
+              <a:rPr lang="en-US" altLang="zh-CN" dirty="0"/>
+              <a:t>show</a:t>
+            </a:r>
+            <a:r>
+              <a:rPr lang="zh-CN" altLang="en-US" dirty="0"/>
+              <a:t> </a:t>
+            </a:r>
+            <a:r>
+              <a:rPr lang="en-US" altLang="zh-CN" dirty="0"/>
+              <a:t>the</a:t>
+            </a:r>
+            <a:r>
+              <a:rPr lang="zh-CN" altLang="en-US" dirty="0"/>
+              <a:t> </a:t>
+            </a:r>
+            <a:r>
+              <a:rPr lang="en-US" altLang="zh-CN" dirty="0"/>
+              <a:t>information</a:t>
+            </a:r>
+            <a:r>
+              <a:rPr lang="zh-CN" altLang="en-US" dirty="0"/>
+              <a:t> </a:t>
+            </a:r>
+            <a:r>
+              <a:rPr lang="en-US" altLang="zh-CN" dirty="0"/>
+              <a:t>of</a:t>
+            </a:r>
+            <a:r>
+              <a:rPr lang="zh-CN" altLang="en-US" dirty="0"/>
+              <a:t> </a:t>
+            </a:r>
+            <a:r>
+              <a:rPr lang="en-US" altLang="zh-CN" dirty="0"/>
+              <a:t>this</a:t>
+            </a:r>
+            <a:r>
+              <a:rPr lang="zh-CN" altLang="en-US" dirty="0"/>
+              <a:t> </a:t>
+            </a:r>
+            <a:r>
+              <a:rPr lang="en-US" altLang="zh-CN" dirty="0"/>
+              <a:t>data.</a:t>
+            </a:r>
+          </a:p>
+          <a:p>
+            <a:r>
+              <a:rPr lang="en-US" altLang="zh-CN" dirty="0"/>
+              <a:t>For</a:t>
+            </a:r>
+            <a:r>
+              <a:rPr lang="zh-CN" altLang="en-US" dirty="0"/>
+              <a:t> </a:t>
+            </a:r>
+            <a:r>
+              <a:rPr lang="en-US" altLang="zh-CN" dirty="0"/>
+              <a:t>tableau,</a:t>
+            </a:r>
+            <a:r>
+              <a:rPr lang="zh-CN" altLang="en-US" dirty="0"/>
+              <a:t> </a:t>
+            </a:r>
+            <a:r>
+              <a:rPr lang="en-US" altLang="zh-CN" dirty="0"/>
+              <a:t>it</a:t>
+            </a:r>
+            <a:r>
+              <a:rPr lang="zh-CN" altLang="en-US" dirty="0"/>
+              <a:t> </a:t>
+            </a:r>
+            <a:r>
+              <a:rPr lang="en-US" altLang="zh-CN" dirty="0"/>
+              <a:t>is</a:t>
+            </a:r>
+            <a:r>
+              <a:rPr lang="zh-CN" altLang="en-US" dirty="0"/>
+              <a:t> </a:t>
+            </a:r>
+            <a:r>
+              <a:rPr lang="en-US" altLang="zh-CN" dirty="0"/>
+              <a:t>also</a:t>
+            </a:r>
+            <a:r>
+              <a:rPr lang="zh-CN" altLang="en-US" dirty="0"/>
+              <a:t> </a:t>
+            </a:r>
+            <a:r>
+              <a:rPr lang="en-US" altLang="zh-CN" dirty="0"/>
+              <a:t>a</a:t>
+            </a:r>
+            <a:r>
+              <a:rPr lang="zh-CN" altLang="en-US" dirty="0"/>
+              <a:t> </a:t>
+            </a:r>
+            <a:r>
+              <a:rPr lang="en-US" altLang="zh-CN" dirty="0"/>
+              <a:t>brilliant</a:t>
+            </a:r>
+            <a:r>
+              <a:rPr lang="zh-CN" altLang="en-US" dirty="0"/>
+              <a:t> </a:t>
+            </a:r>
+            <a:r>
+              <a:rPr lang="en-US" altLang="zh-CN" dirty="0"/>
+              <a:t>data</a:t>
+            </a:r>
+            <a:r>
+              <a:rPr lang="zh-CN" altLang="en-US" dirty="0"/>
+              <a:t> </a:t>
+            </a:r>
+            <a:r>
+              <a:rPr lang="en-US" altLang="zh-CN" dirty="0"/>
+              <a:t>visualization</a:t>
+            </a:r>
+            <a:r>
+              <a:rPr lang="zh-CN" altLang="en-US" dirty="0"/>
+              <a:t> </a:t>
+            </a:r>
+            <a:r>
+              <a:rPr lang="en-US" altLang="zh-CN" dirty="0"/>
+              <a:t>software,</a:t>
+            </a:r>
+            <a:r>
+              <a:rPr lang="zh-CN" altLang="en-US" dirty="0"/>
+              <a:t> </a:t>
+            </a:r>
+            <a:r>
+              <a:rPr lang="en-US" altLang="zh-CN" dirty="0"/>
+              <a:t>which</a:t>
+            </a:r>
+            <a:r>
+              <a:rPr lang="zh-CN" altLang="en-US" dirty="0"/>
+              <a:t> </a:t>
+            </a:r>
+            <a:r>
+              <a:rPr lang="en-US" altLang="zh-CN" dirty="0"/>
+              <a:t>can</a:t>
+            </a:r>
+            <a:r>
+              <a:rPr lang="zh-CN" altLang="en-US" dirty="0"/>
+              <a:t> </a:t>
+            </a:r>
+            <a:r>
+              <a:rPr lang="en-US" altLang="zh-CN" dirty="0"/>
+              <a:t>help</a:t>
+            </a:r>
+            <a:r>
+              <a:rPr lang="zh-CN" altLang="en-US" dirty="0"/>
+              <a:t> </a:t>
+            </a:r>
+            <a:r>
+              <a:rPr lang="en-US" altLang="zh-CN" dirty="0"/>
+              <a:t>me</a:t>
+            </a:r>
+            <a:r>
+              <a:rPr lang="zh-CN" altLang="en-US" dirty="0"/>
+              <a:t> </a:t>
+            </a:r>
+            <a:r>
+              <a:rPr lang="en-US" altLang="zh-CN" dirty="0"/>
+              <a:t>to</a:t>
+            </a:r>
+            <a:r>
+              <a:rPr lang="zh-CN" altLang="en-US" dirty="0"/>
+              <a:t> </a:t>
+            </a:r>
+            <a:r>
+              <a:rPr lang="en-US" altLang="zh-CN" dirty="0"/>
+              <a:t>draw</a:t>
+            </a:r>
+            <a:r>
+              <a:rPr lang="zh-CN" altLang="en-US" dirty="0"/>
+              <a:t> </a:t>
+            </a:r>
+            <a:r>
+              <a:rPr lang="en-US" altLang="zh-CN" dirty="0"/>
+              <a:t>map</a:t>
+            </a:r>
+            <a:r>
+              <a:rPr lang="zh-CN" altLang="en-US" dirty="0"/>
+              <a:t> </a:t>
+            </a:r>
+            <a:r>
+              <a:rPr lang="en-US" altLang="zh-CN" dirty="0"/>
+              <a:t>or</a:t>
+            </a:r>
+            <a:r>
+              <a:rPr lang="zh-CN" altLang="en-US" dirty="0"/>
+              <a:t> </a:t>
+            </a:r>
+            <a:r>
+              <a:rPr lang="en-US" altLang="zh-CN" dirty="0"/>
+              <a:t>other</a:t>
+            </a:r>
+            <a:r>
+              <a:rPr lang="zh-CN" altLang="en-US" dirty="0"/>
+              <a:t> </a:t>
+            </a:r>
+            <a:r>
+              <a:rPr lang="en-US" altLang="zh-CN" dirty="0"/>
+              <a:t>image</a:t>
+            </a:r>
+            <a:r>
+              <a:rPr lang="zh-CN" altLang="en-US" dirty="0"/>
+              <a:t> </a:t>
+            </a:r>
+            <a:r>
+              <a:rPr lang="en-US" altLang="zh-CN" dirty="0"/>
+              <a:t>much</a:t>
+            </a:r>
+            <a:r>
+              <a:rPr lang="zh-CN" altLang="en-US" dirty="0"/>
+              <a:t> </a:t>
+            </a:r>
+            <a:r>
+              <a:rPr lang="en-US" altLang="zh-CN" dirty="0"/>
+              <a:t>more</a:t>
+            </a:r>
+            <a:r>
+              <a:rPr lang="zh-CN" altLang="en-US" dirty="0"/>
+              <a:t> </a:t>
+            </a:r>
+            <a:r>
+              <a:rPr lang="en-US" altLang="zh-CN" dirty="0"/>
+              <a:t>efficient</a:t>
+            </a:r>
+            <a:r>
+              <a:rPr lang="zh-CN" altLang="en-US" dirty="0"/>
+              <a:t> </a:t>
+            </a:r>
+            <a:r>
+              <a:rPr lang="en-US" altLang="zh-CN" dirty="0"/>
+              <a:t>than</a:t>
+            </a:r>
+            <a:r>
+              <a:rPr lang="zh-CN" altLang="en-US" dirty="0"/>
+              <a:t> </a:t>
+            </a:r>
+            <a:r>
+              <a:rPr lang="en-US" altLang="zh-CN" dirty="0"/>
+              <a:t>before.</a:t>
+            </a:r>
+          </a:p>
+          <a:p>
+            <a:endParaRPr lang="en-US" altLang="zh-CN" dirty="0"/>
+          </a:p>
+          <a:p>
+            <a:r>
+              <a:rPr lang="en-US" altLang="zh-CN" dirty="0"/>
+              <a:t>I</a:t>
+            </a:r>
+            <a:r>
+              <a:rPr lang="zh-CN" altLang="en-US" dirty="0"/>
+              <a:t> </a:t>
+            </a:r>
+            <a:r>
+              <a:rPr lang="en-US" altLang="zh-CN" dirty="0"/>
+              <a:t>believe</a:t>
+            </a:r>
+            <a:r>
+              <a:rPr lang="zh-CN" altLang="en-US" dirty="0"/>
+              <a:t> </a:t>
+            </a:r>
+            <a:r>
+              <a:rPr lang="en-US" altLang="zh-CN" dirty="0"/>
+              <a:t>that</a:t>
+            </a:r>
+            <a:r>
+              <a:rPr lang="zh-CN" altLang="en-US" dirty="0"/>
+              <a:t> </a:t>
+            </a:r>
+            <a:r>
+              <a:rPr lang="en-US" altLang="zh-CN" dirty="0"/>
+              <a:t>the</a:t>
+            </a:r>
+            <a:r>
+              <a:rPr lang="zh-CN" altLang="en-US" dirty="0"/>
+              <a:t> </a:t>
+            </a:r>
+            <a:r>
+              <a:rPr lang="en-US" altLang="zh-CN" dirty="0"/>
+              <a:t>audience</a:t>
+            </a:r>
+            <a:r>
+              <a:rPr lang="zh-CN" altLang="en-US" dirty="0"/>
+              <a:t> </a:t>
+            </a:r>
+            <a:r>
+              <a:rPr lang="en-US" altLang="zh-CN" dirty="0"/>
+              <a:t>include</a:t>
+            </a:r>
+            <a:r>
+              <a:rPr lang="zh-CN" altLang="en-US" dirty="0"/>
+              <a:t> </a:t>
+            </a:r>
+            <a:r>
+              <a:rPr lang="en-US" altLang="zh-CN" dirty="0"/>
+              <a:t>some</a:t>
+            </a:r>
+            <a:r>
+              <a:rPr lang="zh-CN" altLang="en-US" dirty="0"/>
+              <a:t> </a:t>
+            </a:r>
+            <a:r>
+              <a:rPr lang="en-US" altLang="zh-CN" dirty="0"/>
+              <a:t>specific</a:t>
+            </a:r>
+            <a:r>
+              <a:rPr lang="zh-CN" altLang="en-US" dirty="0"/>
+              <a:t> </a:t>
+            </a:r>
+            <a:r>
+              <a:rPr lang="en-US" altLang="zh-CN" dirty="0"/>
+              <a:t>department</a:t>
+            </a:r>
+            <a:r>
+              <a:rPr lang="zh-CN" altLang="en-US" dirty="0"/>
+              <a:t> </a:t>
+            </a:r>
+            <a:r>
+              <a:rPr lang="en-US" altLang="zh-CN" dirty="0"/>
+              <a:t>of</a:t>
+            </a:r>
+            <a:r>
+              <a:rPr lang="zh-CN" altLang="en-US" dirty="0"/>
+              <a:t> </a:t>
+            </a:r>
+            <a:r>
+              <a:rPr lang="en-US" altLang="zh-CN" dirty="0"/>
+              <a:t>government,</a:t>
+            </a:r>
+            <a:r>
+              <a:rPr lang="zh-CN" altLang="en-US" dirty="0"/>
+              <a:t> </a:t>
+            </a:r>
+            <a:r>
+              <a:rPr lang="en-US" altLang="zh-CN" dirty="0"/>
+              <a:t>police</a:t>
+            </a:r>
+            <a:r>
+              <a:rPr lang="zh-CN" altLang="en-US" dirty="0"/>
+              <a:t> </a:t>
+            </a:r>
+            <a:r>
+              <a:rPr lang="en-US" altLang="zh-CN" dirty="0"/>
+              <a:t>and</a:t>
+            </a:r>
+            <a:r>
+              <a:rPr lang="zh-CN" altLang="en-US" dirty="0"/>
+              <a:t> </a:t>
+            </a:r>
+            <a:r>
+              <a:rPr lang="en-US" altLang="zh-CN" dirty="0"/>
+              <a:t>public</a:t>
+            </a:r>
+            <a:r>
+              <a:rPr lang="zh-CN" altLang="en-US" dirty="0"/>
+              <a:t> </a:t>
+            </a:r>
+            <a:r>
+              <a:rPr lang="en-US" altLang="zh-CN" dirty="0"/>
+              <a:t>service</a:t>
+            </a:r>
+            <a:r>
+              <a:rPr lang="zh-CN" altLang="en-US" dirty="0"/>
+              <a:t> </a:t>
+            </a:r>
+            <a:r>
+              <a:rPr lang="en-US" altLang="zh-CN" dirty="0"/>
+              <a:t>organization.</a:t>
+            </a:r>
+          </a:p>
+        </p:txBody>
+      </p:sp>
+    </p:spTree>
+    <p:extLst>
+      <p:ext uri="{BB962C8B-B14F-4D97-AF65-F5344CB8AC3E}">
+        <p14:creationId xmlns:p14="http://schemas.microsoft.com/office/powerpoint/2010/main" val="4165194979"/>
+      </p:ext>
+    </p:extLst>
+  </p:cSld>
+  <p:clrMapOvr>
+    <a:masterClrMapping/>
+  </p:clrMapOvr>
+</p:sld>
+</file>
+
+<file path=ppt/slides/slide4.xml><?xml version="1.0" encoding="utf-8"?>
+<p:sld xmlns:a="http://schemas.openxmlformats.org/drawingml/2006/main" xmlns:r="http://schemas.openxmlformats.org/officeDocument/2006/relationships" xmlns:p="http://schemas.openxmlformats.org/presentationml/2006/main">
+  <p:cSld>
+    <p:spTree>
+      <p:nvGrpSpPr>
+        <p:cNvPr id="1" name=""/>
+        <p:cNvGrpSpPr/>
+        <p:nvPr/>
+      </p:nvGrpSpPr>
+      <p:grpSpPr>
+        <a:xfrm>
+          <a:off x="0" y="0"/>
+          <a:ext cx="0" cy="0"/>
+          <a:chOff x="0" y="0"/>
+          <a:chExt cx="0" cy="0"/>
+        </a:xfrm>
+      </p:grpSpPr>
+      <p:sp>
+        <p:nvSpPr>
+          <p:cNvPr id="2" name="Title 1">
+            <a:extLst>
+              <a:ext uri="{FF2B5EF4-FFF2-40B4-BE49-F238E27FC236}">
+                <a16:creationId xmlns:a16="http://schemas.microsoft.com/office/drawing/2014/main" id="{8A17C8E2-16CF-F247-8DB1-4258642D0A50}"/>
+              </a:ext>
+            </a:extLst>
+          </p:cNvPr>
+          <p:cNvSpPr>
+            <a:spLocks noGrp="1"/>
+          </p:cNvSpPr>
+          <p:nvPr>
+            <p:ph type="title"/>
+          </p:nvPr>
+        </p:nvSpPr>
+        <p:spPr/>
+        <p:txBody>
+          <a:bodyPr/>
+          <a:lstStyle/>
+          <a:p>
+            <a:endParaRPr lang="en-US"/>
+          </a:p>
+        </p:txBody>
+      </p:sp>
+      <p:pic>
+        <p:nvPicPr>
+          <p:cNvPr id="5" name="Content Placeholder 4" descr="A screenshot of a cell phone&#10;&#10;Description automatically generated">
+            <a:extLst>
+              <a:ext uri="{FF2B5EF4-FFF2-40B4-BE49-F238E27FC236}">
+                <a16:creationId xmlns:a16="http://schemas.microsoft.com/office/drawing/2014/main" id="{5CA18C7B-67EF-E24C-AB3B-9766B99DFFD1}"/>
+              </a:ext>
+            </a:extLst>
+          </p:cNvPr>
+          <p:cNvPicPr>
+            <a:picLocks noGrp="1" noChangeAspect="1"/>
+          </p:cNvPicPr>
+          <p:nvPr>
+            <p:ph idx="1"/>
+          </p:nvPr>
+        </p:nvPicPr>
+        <p:blipFill>
+          <a:blip r:embed="rId2"/>
+          <a:stretch>
+            <a:fillRect/>
+          </a:stretch>
+        </p:blipFill>
+        <p:spPr>
+          <a:xfrm>
+            <a:off x="69851" y="190500"/>
+            <a:ext cx="6026149" cy="6477000"/>
+          </a:xfrm>
+        </p:spPr>
+      </p:pic>
+      <p:pic>
+        <p:nvPicPr>
+          <p:cNvPr id="7" name="Picture 6" descr="A screenshot of a cell phone&#10;&#10;Description automatically generated">
+            <a:extLst>
+              <a:ext uri="{FF2B5EF4-FFF2-40B4-BE49-F238E27FC236}">
+                <a16:creationId xmlns:a16="http://schemas.microsoft.com/office/drawing/2014/main" id="{16392457-7A2A-DA4C-933D-9E89C6FC1969}"/>
+              </a:ext>
+            </a:extLst>
+          </p:cNvPr>
+          <p:cNvPicPr>
+            <a:picLocks noChangeAspect="1"/>
+          </p:cNvPicPr>
+          <p:nvPr/>
+        </p:nvPicPr>
+        <p:blipFill>
+          <a:blip r:embed="rId3"/>
+          <a:stretch>
+            <a:fillRect/>
+          </a:stretch>
+        </p:blipFill>
+        <p:spPr>
+          <a:xfrm>
+            <a:off x="5957888" y="190500"/>
+            <a:ext cx="6164261" cy="6477000"/>
+          </a:xfrm>
+          <a:prstGeom prst="rect">
+            <a:avLst/>
+          </a:prstGeom>
+        </p:spPr>
+      </p:pic>
+    </p:spTree>
+    <p:extLst>
+      <p:ext uri="{BB962C8B-B14F-4D97-AF65-F5344CB8AC3E}">
+        <p14:creationId xmlns:p14="http://schemas.microsoft.com/office/powerpoint/2010/main" val="1671902968"/>
+      </p:ext>
+    </p:extLst>
+  </p:cSld>
+  <p:clrMapOvr>
+    <a:masterClrMapping/>
+  </p:clrMapOvr>
+</p:sld>
+</file>
+
+<file path=ppt/slides/slide5.xml><?xml version="1.0" encoding="utf-8"?>
+<p:sld xmlns:a="http://schemas.openxmlformats.org/drawingml/2006/main" xmlns:r="http://schemas.openxmlformats.org/officeDocument/2006/relationships" xmlns:p="http://schemas.openxmlformats.org/presentationml/2006/main">
+  <p:cSld>
+    <p:spTree>
+      <p:nvGrpSpPr>
+        <p:cNvPr id="1" name=""/>
+        <p:cNvGrpSpPr/>
+        <p:nvPr/>
+      </p:nvGrpSpPr>
+      <p:grpSpPr>
+        <a:xfrm>
+          <a:off x="0" y="0"/>
+          <a:ext cx="0" cy="0"/>
+          <a:chOff x="0" y="0"/>
+          <a:chExt cx="0" cy="0"/>
+        </a:xfrm>
+      </p:grpSpPr>
+      <p:sp>
+        <p:nvSpPr>
+          <p:cNvPr id="2" name="Title 1">
+            <a:extLst>
+              <a:ext uri="{FF2B5EF4-FFF2-40B4-BE49-F238E27FC236}">
+                <a16:creationId xmlns:a16="http://schemas.microsoft.com/office/drawing/2014/main" id="{451E884F-F956-E94F-9885-564E30AF27B3}"/>
+              </a:ext>
+            </a:extLst>
+          </p:cNvPr>
+          <p:cNvSpPr>
+            <a:spLocks noGrp="1"/>
+          </p:cNvSpPr>
+          <p:nvPr>
+            <p:ph type="title"/>
+          </p:nvPr>
+        </p:nvSpPr>
+        <p:spPr/>
+        <p:txBody>
+          <a:bodyPr/>
+          <a:lstStyle/>
+          <a:p>
+            <a:endParaRPr lang="en-US"/>
+          </a:p>
+        </p:txBody>
+      </p:sp>
+      <p:pic>
+        <p:nvPicPr>
+          <p:cNvPr id="5" name="Content Placeholder 4" descr="A screenshot of a cell phone&#10;&#10;Description automatically generated">
+            <a:extLst>
+              <a:ext uri="{FF2B5EF4-FFF2-40B4-BE49-F238E27FC236}">
+                <a16:creationId xmlns:a16="http://schemas.microsoft.com/office/drawing/2014/main" id="{E841E3BF-A74D-9741-BD2E-35193913F6F2}"/>
+              </a:ext>
+            </a:extLst>
+          </p:cNvPr>
+          <p:cNvPicPr>
+            <a:picLocks noGrp="1" noChangeAspect="1"/>
+          </p:cNvPicPr>
+          <p:nvPr>
+            <p:ph idx="1"/>
+          </p:nvPr>
+        </p:nvPicPr>
+        <p:blipFill>
+          <a:blip r:embed="rId2"/>
+          <a:stretch>
+            <a:fillRect/>
+          </a:stretch>
+        </p:blipFill>
+        <p:spPr>
+          <a:xfrm>
+            <a:off x="228600" y="228600"/>
+            <a:ext cx="5986463" cy="6386513"/>
+          </a:xfrm>
+        </p:spPr>
+      </p:pic>
+      <p:pic>
+        <p:nvPicPr>
+          <p:cNvPr id="7" name="Picture 6" descr="A screenshot of a cell phone&#10;&#10;Description automatically generated">
+            <a:extLst>
+              <a:ext uri="{FF2B5EF4-FFF2-40B4-BE49-F238E27FC236}">
+                <a16:creationId xmlns:a16="http://schemas.microsoft.com/office/drawing/2014/main" id="{59D0ABE5-E739-B643-9C6B-13B896F9E3C1}"/>
+              </a:ext>
+            </a:extLst>
+          </p:cNvPr>
+          <p:cNvPicPr>
+            <a:picLocks noChangeAspect="1"/>
+          </p:cNvPicPr>
+          <p:nvPr/>
+        </p:nvPicPr>
+        <p:blipFill>
+          <a:blip r:embed="rId3"/>
+          <a:stretch>
+            <a:fillRect/>
+          </a:stretch>
+        </p:blipFill>
+        <p:spPr>
+          <a:xfrm>
+            <a:off x="6215064" y="0"/>
+            <a:ext cx="5970586" cy="6858000"/>
+          </a:xfrm>
+          <a:prstGeom prst="rect">
+            <a:avLst/>
+          </a:prstGeom>
+        </p:spPr>
+      </p:pic>
+    </p:spTree>
+    <p:extLst>
+      <p:ext uri="{BB962C8B-B14F-4D97-AF65-F5344CB8AC3E}">
+        <p14:creationId xmlns:p14="http://schemas.microsoft.com/office/powerpoint/2010/main" val="4268969379"/>
+      </p:ext>
+    </p:extLst>
+  </p:cSld>
+  <p:clrMapOvr>
+    <a:masterClrMapping/>
+  </p:clrMapOvr>
+</p:sld>
+</file>
+
+<file path=ppt/slides/slide6.xml><?xml version="1.0" encoding="utf-8"?>
+<p:sld xmlns:a="http://schemas.openxmlformats.org/drawingml/2006/main" xmlns:r="http://schemas.openxmlformats.org/officeDocument/2006/relationships" xmlns:p="http://schemas.openxmlformats.org/presentationml/2006/main">
+  <p:cSld>
+    <p:spTree>
+      <p:nvGrpSpPr>
+        <p:cNvPr id="1" name=""/>
+        <p:cNvGrpSpPr/>
+        <p:nvPr/>
+      </p:nvGrpSpPr>
+      <p:grpSpPr>
+        <a:xfrm>
+          <a:off x="0" y="0"/>
+          <a:ext cx="0" cy="0"/>
+          <a:chOff x="0" y="0"/>
+          <a:chExt cx="0" cy="0"/>
+        </a:xfrm>
+      </p:grpSpPr>
+      <p:sp>
+        <p:nvSpPr>
+          <p:cNvPr id="2" name="Title 1">
+            <a:extLst>
+              <a:ext uri="{FF2B5EF4-FFF2-40B4-BE49-F238E27FC236}">
+                <a16:creationId xmlns:a16="http://schemas.microsoft.com/office/drawing/2014/main" id="{9DB05CAE-8C3F-C048-BD8A-2437A5DA9F6A}"/>
+              </a:ext>
+            </a:extLst>
+          </p:cNvPr>
+          <p:cNvSpPr>
+            <a:spLocks noGrp="1"/>
+          </p:cNvSpPr>
+          <p:nvPr>
+            <p:ph type="title"/>
+          </p:nvPr>
+        </p:nvSpPr>
+        <p:spPr/>
+        <p:txBody>
+          <a:bodyPr/>
+          <a:lstStyle/>
+          <a:p>
+            <a:endParaRPr lang="en-US"/>
+          </a:p>
+        </p:txBody>
+      </p:sp>
+      <p:sp>
+        <p:nvSpPr>
+          <p:cNvPr id="3" name="Content Placeholder 2">
+            <a:extLst>
+              <a:ext uri="{FF2B5EF4-FFF2-40B4-BE49-F238E27FC236}">
+                <a16:creationId xmlns:a16="http://schemas.microsoft.com/office/drawing/2014/main" id="{CDF24C8A-07A5-064E-BE10-1A6D026AFF7D}"/>
+              </a:ext>
+            </a:extLst>
+          </p:cNvPr>
+          <p:cNvSpPr>
+            <a:spLocks noGrp="1"/>
+          </p:cNvSpPr>
+          <p:nvPr>
+            <p:ph idx="1"/>
+          </p:nvPr>
+        </p:nvSpPr>
+        <p:spPr/>
+        <p:txBody>
+          <a:bodyPr>
+            <a:normAutofit/>
+          </a:bodyPr>
+          <a:lstStyle/>
+          <a:p>
+            <a:r>
+              <a:rPr lang="en-US" altLang="zh-CN" sz="2000" dirty="0"/>
+              <a:t>For</a:t>
+            </a:r>
+            <a:r>
+              <a:rPr lang="zh-CN" altLang="en-US" sz="2000" dirty="0"/>
+              <a:t> </a:t>
+            </a:r>
+            <a:r>
+              <a:rPr lang="en-US" altLang="zh-CN" sz="2000" dirty="0"/>
+              <a:t>the</a:t>
+            </a:r>
+            <a:r>
+              <a:rPr lang="zh-CN" altLang="en-US" sz="2000" dirty="0"/>
+              <a:t> </a:t>
+            </a:r>
+            <a:r>
+              <a:rPr lang="en-US" altLang="zh-CN" sz="2000" dirty="0"/>
+              <a:t>policeman,</a:t>
+            </a:r>
+            <a:r>
+              <a:rPr lang="zh-CN" altLang="en-US" sz="2000" dirty="0"/>
+              <a:t> </a:t>
+            </a:r>
+            <a:r>
+              <a:rPr lang="en-US" altLang="zh-CN" sz="2000" dirty="0"/>
+              <a:t>from</a:t>
+            </a:r>
+            <a:r>
+              <a:rPr lang="zh-CN" altLang="en-US" sz="2000" dirty="0"/>
+              <a:t> </a:t>
+            </a:r>
+            <a:r>
+              <a:rPr lang="en-US" altLang="zh-CN" sz="2000" dirty="0"/>
+              <a:t>my</a:t>
+            </a:r>
+            <a:r>
+              <a:rPr lang="zh-CN" altLang="en-US" sz="2000" dirty="0"/>
+              <a:t> </a:t>
+            </a:r>
+            <a:r>
+              <a:rPr lang="en-US" altLang="zh-CN" sz="2000" dirty="0"/>
+              <a:t>data</a:t>
+            </a:r>
+            <a:r>
+              <a:rPr lang="zh-CN" altLang="en-US" sz="2000" dirty="0"/>
+              <a:t> </a:t>
+            </a:r>
+            <a:r>
+              <a:rPr lang="en-US" altLang="zh-CN" sz="2000" dirty="0"/>
+              <a:t>analysis,</a:t>
+            </a:r>
+            <a:r>
+              <a:rPr lang="zh-CN" altLang="en-US" sz="2000" dirty="0"/>
+              <a:t> </a:t>
+            </a:r>
+            <a:r>
+              <a:rPr lang="en-US" altLang="zh-CN" sz="2000" dirty="0"/>
+              <a:t>they</a:t>
+            </a:r>
+            <a:r>
+              <a:rPr lang="zh-CN" altLang="en-US" sz="2000" dirty="0"/>
+              <a:t> </a:t>
+            </a:r>
+            <a:r>
+              <a:rPr lang="en-US" altLang="zh-CN" sz="2000" dirty="0"/>
+              <a:t>can</a:t>
+            </a:r>
+            <a:r>
+              <a:rPr lang="zh-CN" altLang="en-US" sz="2000" dirty="0"/>
+              <a:t> </a:t>
+            </a:r>
+            <a:r>
+              <a:rPr lang="en-US" altLang="zh-CN" sz="2000" dirty="0"/>
+              <a:t>find</a:t>
+            </a:r>
+            <a:r>
+              <a:rPr lang="zh-CN" altLang="en-US" sz="2000" dirty="0"/>
+              <a:t> </a:t>
+            </a:r>
+            <a:r>
+              <a:rPr lang="en-US" altLang="zh-CN" sz="2000" dirty="0"/>
+              <a:t>that</a:t>
+            </a:r>
+            <a:r>
+              <a:rPr lang="zh-CN" altLang="en-US" sz="2000" dirty="0"/>
+              <a:t> </a:t>
+            </a:r>
+            <a:r>
+              <a:rPr lang="en-US" altLang="zh-CN" sz="2000" dirty="0"/>
+              <a:t>Heroin</a:t>
+            </a:r>
+            <a:r>
+              <a:rPr lang="zh-CN" altLang="en-US" sz="2000" dirty="0"/>
+              <a:t> </a:t>
+            </a:r>
+            <a:r>
+              <a:rPr lang="en-US" altLang="zh-CN" sz="2000" dirty="0"/>
+              <a:t>is</a:t>
+            </a:r>
+            <a:r>
+              <a:rPr lang="zh-CN" altLang="en-US" sz="2000" dirty="0"/>
+              <a:t> </a:t>
+            </a:r>
+            <a:r>
+              <a:rPr lang="en-US" altLang="zh-CN" sz="2000" dirty="0"/>
+              <a:t>the</a:t>
+            </a:r>
+            <a:r>
+              <a:rPr lang="zh-CN" altLang="en-US" sz="2000" dirty="0"/>
+              <a:t> </a:t>
+            </a:r>
+            <a:r>
+              <a:rPr lang="en-US" altLang="zh-CN" sz="2000" dirty="0"/>
+              <a:t>most</a:t>
+            </a:r>
+            <a:r>
+              <a:rPr lang="zh-CN" altLang="en-US" sz="2000" dirty="0"/>
+              <a:t> </a:t>
+            </a:r>
+            <a:r>
+              <a:rPr lang="en-US" altLang="zh-CN" sz="2000" dirty="0"/>
+              <a:t>lethal</a:t>
+            </a:r>
+            <a:r>
+              <a:rPr lang="zh-CN" altLang="en-US" sz="2000" dirty="0"/>
+              <a:t> </a:t>
+            </a:r>
+            <a:r>
+              <a:rPr lang="en-US" altLang="zh-CN" sz="2000" dirty="0"/>
+              <a:t>drug</a:t>
+            </a:r>
+            <a:r>
+              <a:rPr lang="zh-CN" altLang="en-US" sz="2000" dirty="0"/>
+              <a:t> </a:t>
+            </a:r>
+            <a:r>
+              <a:rPr lang="en-US" altLang="zh-CN" sz="2000" dirty="0"/>
+              <a:t>or</a:t>
+            </a:r>
+            <a:r>
+              <a:rPr lang="zh-CN" altLang="en-US" sz="2000" dirty="0"/>
+              <a:t> </a:t>
+            </a:r>
+            <a:r>
+              <a:rPr lang="en-US" altLang="zh-CN" sz="2000" dirty="0"/>
+              <a:t>most</a:t>
+            </a:r>
+            <a:r>
+              <a:rPr lang="zh-CN" altLang="en-US" sz="2000" dirty="0"/>
+              <a:t> </a:t>
+            </a:r>
+            <a:r>
+              <a:rPr lang="en-US" altLang="zh-CN" sz="2000" dirty="0"/>
+              <a:t>people</a:t>
+            </a:r>
+            <a:r>
+              <a:rPr lang="zh-CN" altLang="en-US" sz="2000" dirty="0"/>
+              <a:t> </a:t>
+            </a:r>
+            <a:r>
+              <a:rPr lang="en-US" altLang="zh-CN" sz="2000" dirty="0"/>
+              <a:t>prefer</a:t>
+            </a:r>
+            <a:r>
+              <a:rPr lang="zh-CN" altLang="en-US" sz="2000" dirty="0"/>
+              <a:t> </a:t>
+            </a:r>
+            <a:r>
+              <a:rPr lang="en-US" altLang="zh-CN" sz="2000" dirty="0"/>
+              <a:t>taking</a:t>
+            </a:r>
+            <a:r>
+              <a:rPr lang="zh-CN" altLang="en-US" sz="2000" dirty="0"/>
+              <a:t> </a:t>
+            </a:r>
+            <a:r>
+              <a:rPr lang="en-US" altLang="zh-CN" sz="2000" dirty="0"/>
+              <a:t>Heroin.</a:t>
+            </a:r>
+            <a:r>
+              <a:rPr lang="zh-CN" altLang="en-US" sz="2000" dirty="0"/>
+              <a:t> </a:t>
+            </a:r>
+            <a:r>
+              <a:rPr lang="en-US" altLang="zh-CN" sz="2000" dirty="0"/>
+              <a:t>And</a:t>
+            </a:r>
+            <a:r>
+              <a:rPr lang="zh-CN" altLang="en-US" sz="2000" dirty="0"/>
+              <a:t> </a:t>
+            </a:r>
+            <a:r>
+              <a:rPr lang="en-US" altLang="zh-CN" sz="2000" dirty="0"/>
+              <a:t>more</a:t>
+            </a:r>
+            <a:r>
+              <a:rPr lang="zh-CN" altLang="en-US" sz="2000" dirty="0"/>
+              <a:t> </a:t>
+            </a:r>
+            <a:r>
+              <a:rPr lang="en-US" altLang="zh-CN" sz="2000" dirty="0"/>
+              <a:t>than</a:t>
+            </a:r>
+            <a:r>
+              <a:rPr lang="zh-CN" altLang="en-US" sz="2000" dirty="0"/>
+              <a:t> </a:t>
+            </a:r>
+            <a:r>
+              <a:rPr lang="en-US" altLang="zh-CN" sz="2000" dirty="0"/>
+              <a:t>60%</a:t>
+            </a:r>
+            <a:r>
+              <a:rPr lang="zh-CN" altLang="en-US" sz="2000" dirty="0"/>
+              <a:t> </a:t>
+            </a:r>
+            <a:r>
+              <a:rPr lang="en-US" altLang="zh-CN" sz="2000" dirty="0"/>
+              <a:t>death</a:t>
+            </a:r>
+            <a:r>
+              <a:rPr lang="zh-CN" altLang="en-US" sz="2000" dirty="0"/>
+              <a:t> </a:t>
+            </a:r>
+            <a:r>
+              <a:rPr lang="en-US" altLang="zh-CN" sz="2000" dirty="0"/>
+              <a:t>caused</a:t>
+            </a:r>
+            <a:r>
+              <a:rPr lang="zh-CN" altLang="en-US" sz="2000" dirty="0"/>
+              <a:t> </a:t>
+            </a:r>
+            <a:r>
+              <a:rPr lang="en-US" altLang="zh-CN" sz="2000" dirty="0"/>
+              <a:t>by</a:t>
+            </a:r>
+            <a:r>
+              <a:rPr lang="zh-CN" altLang="en-US" sz="2000" dirty="0"/>
+              <a:t> </a:t>
+            </a:r>
+            <a:r>
+              <a:rPr lang="en-US" altLang="zh-CN" sz="2000" dirty="0"/>
+              <a:t>Heroin</a:t>
+            </a:r>
+            <a:r>
+              <a:rPr lang="zh-CN" altLang="en-US" sz="2000" dirty="0"/>
+              <a:t> </a:t>
+            </a:r>
+            <a:r>
+              <a:rPr lang="en-US" altLang="zh-CN" sz="2000" dirty="0"/>
+              <a:t>and</a:t>
+            </a:r>
+            <a:r>
+              <a:rPr lang="zh-CN" altLang="en-US" sz="2000" dirty="0"/>
+              <a:t> </a:t>
+            </a:r>
+            <a:r>
+              <a:rPr lang="en-US" altLang="zh-CN" sz="2000" dirty="0"/>
+              <a:t>cocaine.</a:t>
+            </a:r>
+            <a:r>
+              <a:rPr lang="zh-CN" altLang="en-US" sz="2000" dirty="0"/>
+              <a:t> </a:t>
+            </a:r>
+            <a:r>
+              <a:rPr lang="en-US" altLang="zh-CN" sz="2000" dirty="0"/>
+              <a:t>So,</a:t>
+            </a:r>
+            <a:r>
+              <a:rPr lang="zh-CN" altLang="en-US" sz="2000" dirty="0"/>
+              <a:t> </a:t>
+            </a:r>
+            <a:r>
+              <a:rPr lang="en-US" altLang="zh-CN" sz="2000" dirty="0"/>
+              <a:t>police</a:t>
+            </a:r>
+            <a:r>
+              <a:rPr lang="zh-CN" altLang="en-US" sz="2000" dirty="0"/>
+              <a:t> </a:t>
+            </a:r>
+            <a:r>
+              <a:rPr lang="en-US" altLang="zh-CN" sz="2000" dirty="0"/>
+              <a:t>can</a:t>
+            </a:r>
+            <a:r>
+              <a:rPr lang="zh-CN" altLang="en-US" sz="2000" dirty="0"/>
+              <a:t> </a:t>
+            </a:r>
+            <a:r>
+              <a:rPr lang="en-US" altLang="zh-CN" sz="2000" dirty="0"/>
+              <a:t>more</a:t>
+            </a:r>
+            <a:r>
+              <a:rPr lang="zh-CN" altLang="en-US" sz="2000" dirty="0"/>
+              <a:t> </a:t>
+            </a:r>
+            <a:r>
+              <a:rPr lang="en-US" altLang="zh-CN" sz="2000" dirty="0"/>
+              <a:t>focus</a:t>
+            </a:r>
+            <a:r>
+              <a:rPr lang="zh-CN" altLang="en-US" sz="2000" dirty="0"/>
+              <a:t> </a:t>
+            </a:r>
+            <a:r>
+              <a:rPr lang="en-US" altLang="zh-CN" sz="2000" dirty="0"/>
+              <a:t>on</a:t>
+            </a:r>
+            <a:r>
+              <a:rPr lang="zh-CN" altLang="en-US" sz="2000" dirty="0"/>
+              <a:t> </a:t>
+            </a:r>
+            <a:r>
+              <a:rPr lang="en-US" altLang="zh-CN" sz="2000" dirty="0"/>
+              <a:t>the</a:t>
+            </a:r>
+            <a:r>
+              <a:rPr lang="zh-CN" altLang="en-US" sz="2000" dirty="0"/>
+              <a:t> </a:t>
+            </a:r>
+            <a:r>
+              <a:rPr lang="en-US" altLang="zh-CN" sz="2000" dirty="0"/>
+              <a:t>trade</a:t>
+            </a:r>
+            <a:r>
+              <a:rPr lang="zh-CN" altLang="en-US" sz="2000" dirty="0"/>
+              <a:t> </a:t>
+            </a:r>
+            <a:r>
+              <a:rPr lang="en-US" altLang="zh-CN" sz="2000" dirty="0"/>
+              <a:t>of</a:t>
+            </a:r>
+            <a:r>
+              <a:rPr lang="zh-CN" altLang="en-US" sz="2000" dirty="0"/>
+              <a:t> </a:t>
+            </a:r>
+            <a:r>
+              <a:rPr lang="en-US" altLang="zh-CN" sz="2000" dirty="0"/>
+              <a:t>these</a:t>
+            </a:r>
+            <a:r>
+              <a:rPr lang="zh-CN" altLang="en-US" sz="2000" dirty="0"/>
+              <a:t> </a:t>
+            </a:r>
+            <a:r>
+              <a:rPr lang="en-US" altLang="zh-CN" sz="2000" dirty="0"/>
+              <a:t>two</a:t>
+            </a:r>
+            <a:r>
+              <a:rPr lang="zh-CN" altLang="en-US" sz="2000" dirty="0"/>
+              <a:t> </a:t>
+            </a:r>
+            <a:r>
+              <a:rPr lang="en-US" altLang="zh-CN" sz="2000" dirty="0"/>
+              <a:t>drugs.</a:t>
+            </a:r>
+            <a:endParaRPr lang="en-US" sz="2000" dirty="0"/>
+          </a:p>
+        </p:txBody>
+      </p:sp>
+    </p:spTree>
+    <p:extLst>
+      <p:ext uri="{BB962C8B-B14F-4D97-AF65-F5344CB8AC3E}">
+        <p14:creationId xmlns:p14="http://schemas.microsoft.com/office/powerpoint/2010/main" val="1069717986"/>
+      </p:ext>
+    </p:extLst>
+  </p:cSld>
+  <p:clrMapOvr>
+    <a:masterClrMapping/>
   </p:clrMapOvr>
 </p:sld>
 </file>
